--- a/AlchemyAPI.pptx
+++ b/AlchemyAPI.pptx
@@ -10,16 +10,14 @@
     <p:sldId id="258" r:id="rId4"/>
     <p:sldId id="259" r:id="rId5"/>
     <p:sldId id="260" r:id="rId6"/>
-    <p:sldId id="270" r:id="rId7"/>
-    <p:sldId id="261" r:id="rId8"/>
-    <p:sldId id="262" r:id="rId9"/>
-    <p:sldId id="263" r:id="rId10"/>
-    <p:sldId id="264" r:id="rId11"/>
-    <p:sldId id="265" r:id="rId12"/>
-    <p:sldId id="266" r:id="rId13"/>
-    <p:sldId id="267" r:id="rId14"/>
-    <p:sldId id="268" r:id="rId15"/>
-    <p:sldId id="271" r:id="rId16"/>
+    <p:sldId id="261" r:id="rId7"/>
+    <p:sldId id="262" r:id="rId8"/>
+    <p:sldId id="263" r:id="rId9"/>
+    <p:sldId id="264" r:id="rId10"/>
+    <p:sldId id="265" r:id="rId11"/>
+    <p:sldId id="266" r:id="rId12"/>
+    <p:sldId id="267" r:id="rId13"/>
+    <p:sldId id="271" r:id="rId14"/>
   </p:sldIdLst>
   <p:sldSz cx="9144000" cy="6858000" type="screen4x3"/>
   <p:notesSz cx="6858000" cy="9144000"/>
@@ -4705,84 +4703,210 @@
         </p:nvSpPr>
         <p:spPr/>
         <p:txBody>
-          <a:bodyPr/>
+          <a:bodyPr>
+            <a:normAutofit/>
+          </a:bodyPr>
           <a:lstStyle/>
           <a:p>
             <a:pPr marL="109728" indent="0">
               <a:buNone/>
             </a:pPr>
+            <a:r>
+              <a:rPr lang="en-PH" dirty="0"/>
+              <a:t> Taxonomy: </a:t>
+            </a:r>
+            <a:endParaRPr lang="en-PH" dirty="0" smtClean="0"/>
+          </a:p>
+          <a:p>
+            <a:pPr marL="109728" indent="0">
+              <a:buNone/>
+            </a:pPr>
+            <a:r>
+              <a:rPr lang="en-PH" sz="1800" dirty="0"/>
+              <a:t> </a:t>
+            </a:r>
+            <a:r>
+              <a:rPr lang="en-PH" sz="1800" dirty="0" smtClean="0"/>
+              <a:t>"</a:t>
+            </a:r>
+            <a:r>
+              <a:rPr lang="en-PH" sz="1800" dirty="0"/>
+              <a:t>http://gateway-a.watsonplatform.net/calls/</a:t>
+            </a:r>
+            <a:r>
+              <a:rPr lang="en-PH" sz="1800" dirty="0" err="1"/>
+              <a:t>url</a:t>
+            </a:r>
+            <a:r>
+              <a:rPr lang="en-PH" sz="1800" dirty="0"/>
+              <a:t>/</a:t>
+            </a:r>
+            <a:r>
+              <a:rPr lang="en-PH" sz="1800" dirty="0" err="1"/>
+              <a:t>URLGetRankedTaxonomy</a:t>
+            </a:r>
+            <a:r>
+              <a:rPr lang="en-PH" sz="1800" dirty="0"/>
+              <a:t>"         </a:t>
+            </a:r>
+            <a:r>
+              <a:rPr lang="en-PH" dirty="0"/>
+              <a:t>Language: </a:t>
+            </a:r>
+            <a:r>
+              <a:rPr lang="en-PH" sz="1800" dirty="0"/>
+              <a:t>"http://access.alchemyapi.com/calls/</a:t>
+            </a:r>
+            <a:r>
+              <a:rPr lang="en-PH" sz="1800" dirty="0" err="1"/>
+              <a:t>url</a:t>
+            </a:r>
+            <a:r>
+              <a:rPr lang="en-PH" sz="1800" dirty="0"/>
+              <a:t>/</a:t>
+            </a:r>
+            <a:r>
+              <a:rPr lang="en-PH" sz="1800" dirty="0" err="1"/>
+              <a:t>URLGetLanguage</a:t>
+            </a:r>
+            <a:r>
+              <a:rPr lang="en-PH" sz="1800" dirty="0"/>
+              <a:t>"         </a:t>
+            </a:r>
+            <a:r>
+              <a:rPr lang="en-PH" dirty="0"/>
+              <a:t>Authors: </a:t>
+            </a:r>
+            <a:endParaRPr lang="en-PH" dirty="0" smtClean="0"/>
+          </a:p>
+          <a:p>
+            <a:pPr marL="109728" indent="0">
+              <a:buNone/>
+            </a:pPr>
+            <a:r>
+              <a:rPr lang="en-PH" sz="1800" dirty="0" smtClean="0"/>
+              <a:t>"</a:t>
+            </a:r>
+            <a:r>
+              <a:rPr lang="en-PH" sz="1800" dirty="0"/>
+              <a:t>http://gateway-a.watsonplatform.net/calls/</a:t>
+            </a:r>
+            <a:r>
+              <a:rPr lang="en-PH" sz="1800" dirty="0" err="1"/>
+              <a:t>url</a:t>
+            </a:r>
+            <a:r>
+              <a:rPr lang="en-PH" sz="1800" dirty="0"/>
+              <a:t>/</a:t>
+            </a:r>
+            <a:r>
+              <a:rPr lang="en-PH" sz="1800" dirty="0" err="1"/>
+              <a:t>URLGetAuthors</a:t>
+            </a:r>
+            <a:r>
+              <a:rPr lang="en-PH" sz="1800" dirty="0"/>
+              <a:t>"         </a:t>
+            </a:r>
+            <a:r>
+              <a:rPr lang="en-PH" dirty="0"/>
+              <a:t>Sentiment: </a:t>
+            </a:r>
+            <a:endParaRPr lang="en-PH" dirty="0" smtClean="0"/>
+          </a:p>
+          <a:p>
+            <a:pPr marL="109728" indent="0">
+              <a:buNone/>
+            </a:pPr>
+            <a:r>
+              <a:rPr lang="en-PH" sz="1800" dirty="0" smtClean="0"/>
+              <a:t>"</a:t>
+            </a:r>
+            <a:r>
+              <a:rPr lang="en-PH" sz="1800" dirty="0"/>
+              <a:t>http://gateway-a.watsonplatform.net/calls/</a:t>
+            </a:r>
+            <a:r>
+              <a:rPr lang="en-PH" sz="1800" dirty="0" err="1"/>
+              <a:t>url</a:t>
+            </a:r>
+            <a:r>
+              <a:rPr lang="en-PH" sz="1800" dirty="0"/>
+              <a:t>/</a:t>
+            </a:r>
+            <a:r>
+              <a:rPr lang="en-PH" sz="1800" dirty="0" err="1"/>
+              <a:t>URLGetTextSentiment</a:t>
+            </a:r>
+            <a:r>
+              <a:rPr lang="en-PH" sz="1800" dirty="0"/>
+              <a:t>"         </a:t>
+            </a:r>
+            <a:r>
+              <a:rPr lang="en-PH" dirty="0"/>
+              <a:t>Title: </a:t>
+            </a:r>
+            <a:endParaRPr lang="en-PH" dirty="0" smtClean="0"/>
+          </a:p>
+          <a:p>
+            <a:pPr marL="109728" indent="0">
+              <a:buNone/>
+            </a:pPr>
+            <a:r>
+              <a:rPr lang="en-PH" sz="1800" dirty="0" smtClean="0"/>
+              <a:t>"</a:t>
+            </a:r>
+            <a:r>
+              <a:rPr lang="en-PH" sz="1800" dirty="0"/>
+              <a:t>http://gateway-a.watsonplatform.net/calls/</a:t>
+            </a:r>
+            <a:r>
+              <a:rPr lang="en-PH" sz="1800" dirty="0" err="1"/>
+              <a:t>url</a:t>
+            </a:r>
+            <a:r>
+              <a:rPr lang="en-PH" sz="1800" dirty="0"/>
+              <a:t>/</a:t>
+            </a:r>
+            <a:r>
+              <a:rPr lang="en-PH" sz="1800" dirty="0" err="1"/>
+              <a:t>URLGetTitle</a:t>
+            </a:r>
+            <a:r>
+              <a:rPr lang="en-PH" sz="1800" dirty="0"/>
+              <a:t>"</a:t>
+            </a:r>
+          </a:p>
+        </p:txBody>
+      </p:sp>
+      <p:sp>
+        <p:nvSpPr>
+          <p:cNvPr id="3" name="Title 2"/>
+          <p:cNvSpPr>
+            <a:spLocks noGrp="1"/>
+          </p:cNvSpPr>
+          <p:nvPr>
+            <p:ph type="title"/>
+          </p:nvPr>
+        </p:nvSpPr>
+        <p:spPr/>
+        <p:txBody>
+          <a:bodyPr>
+            <a:normAutofit fontScale="90000"/>
+          </a:bodyPr>
+          <a:lstStyle/>
+          <a:p>
+            <a:r>
+              <a:rPr lang="en-PH" dirty="0" smtClean="0"/>
+              <a:t>ENDPOINT URLS – Feature Extraction</a:t>
+            </a:r>
             <a:endParaRPr lang="en-PH" dirty="0"/>
           </a:p>
         </p:txBody>
       </p:sp>
-      <p:sp>
-        <p:nvSpPr>
-          <p:cNvPr id="3" name="Title 2"/>
-          <p:cNvSpPr>
-            <a:spLocks noGrp="1"/>
-          </p:cNvSpPr>
-          <p:nvPr>
-            <p:ph type="title"/>
-          </p:nvPr>
-        </p:nvSpPr>
-        <p:spPr/>
-        <p:txBody>
-          <a:bodyPr/>
-          <a:lstStyle/>
-          <a:p>
-            <a:r>
-              <a:rPr lang="en-PH" dirty="0" smtClean="0"/>
-              <a:t>Demo – Alchemy Vision</a:t>
-            </a:r>
-            <a:endParaRPr lang="en-PH" dirty="0"/>
-          </a:p>
-        </p:txBody>
-      </p:sp>
-      <p:pic>
-        <p:nvPicPr>
-          <p:cNvPr id="7170" name="Picture 2" descr="C:\Users\PC\Desktop\image_7.jpg"/>
-          <p:cNvPicPr>
-            <a:picLocks noChangeAspect="1" noChangeArrowheads="1"/>
-          </p:cNvPicPr>
-          <p:nvPr/>
-        </p:nvPicPr>
-        <p:blipFill>
-          <a:blip r:embed="rId2">
-            <a:extLst>
-              <a:ext uri="{28A0092B-C50C-407E-A947-70E740481C1C}">
-                <a14:useLocalDpi xmlns:a14="http://schemas.microsoft.com/office/drawing/2010/main" val="0"/>
-              </a:ext>
-            </a:extLst>
-          </a:blip>
-          <a:srcRect/>
-          <a:stretch>
-            <a:fillRect/>
-          </a:stretch>
-        </p:blipFill>
-        <p:spPr bwMode="auto">
-          <a:xfrm>
-            <a:off x="25592" y="1676400"/>
-            <a:ext cx="9045028" cy="3505200"/>
-          </a:xfrm>
-          <a:prstGeom prst="rect">
-            <a:avLst/>
-          </a:prstGeom>
-          <a:noFill/>
-          <a:extLst>
-            <a:ext uri="{909E8E84-426E-40DD-AFC4-6F175D3DCCD1}">
-              <a14:hiddenFill xmlns:a14="http://schemas.microsoft.com/office/drawing/2010/main">
-                <a:solidFill>
-                  <a:srgbClr val="FFFFFF"/>
-                </a:solidFill>
-              </a14:hiddenFill>
-            </a:ext>
-          </a:extLst>
-        </p:spPr>
-      </p:pic>
     </p:spTree>
     <p:extLst>
       <p:ext uri="{BB962C8B-B14F-4D97-AF65-F5344CB8AC3E}">
-        <p14:creationId xmlns:p14="http://schemas.microsoft.com/office/powerpoint/2010/main" val="3786895977"/>
+        <p14:creationId xmlns:p14="http://schemas.microsoft.com/office/powerpoint/2010/main" val="3471112227"/>
       </p:ext>
     </p:extLst>
   </p:cSld>
@@ -4837,10 +4961,9 @@
               <a:buNone/>
             </a:pPr>
             <a:r>
-              <a:rPr lang="en-PH" dirty="0"/>
-              <a:t> Taxonomy: </a:t>
-            </a:r>
-            <a:endParaRPr lang="en-PH" dirty="0" smtClean="0"/>
+              <a:rPr lang="en-PH" dirty="0" smtClean="0"/>
+              <a:t>Face Recognition:</a:t>
+            </a:r>
           </a:p>
           <a:p>
             <a:pPr marL="109728" indent="0">
@@ -4848,15 +4971,7 @@
             </a:pPr>
             <a:r>
               <a:rPr lang="en-PH" sz="1800" dirty="0"/>
-              <a:t> </a:t>
-            </a:r>
-            <a:r>
-              <a:rPr lang="en-PH" sz="1800" dirty="0" smtClean="0"/>
-              <a:t>"</a:t>
-            </a:r>
-            <a:r>
-              <a:rPr lang="en-PH" sz="1800" dirty="0"/>
-              <a:t>http://gateway-a.watsonplatform.net/calls/</a:t>
+              <a:t> "http://gateway-a.watsonplatform.net/calls/</a:t>
             </a:r>
             <a:r>
               <a:rPr lang="en-PH" sz="1800" dirty="0" err="1"/>
@@ -4868,137 +4983,11 @@
             </a:r>
             <a:r>
               <a:rPr lang="en-PH" sz="1800" dirty="0" err="1"/>
-              <a:t>URLGetRankedTaxonomy</a:t>
+              <a:t>URLGetRankedImageFaceTags</a:t>
             </a:r>
             <a:r>
               <a:rPr lang="en-PH" sz="1800" dirty="0"/>
-              <a:t>"         </a:t>
-            </a:r>
-            <a:r>
-              <a:rPr lang="en-PH" dirty="0"/>
-              <a:t>Language: </a:t>
-            </a:r>
-            <a:r>
-              <a:rPr lang="en-PH" sz="1800" dirty="0"/>
-              <a:t>"http://access.alchemyapi.com/calls/</a:t>
-            </a:r>
-            <a:r>
-              <a:rPr lang="en-PH" sz="1800" dirty="0" err="1"/>
-              <a:t>url</a:t>
-            </a:r>
-            <a:r>
-              <a:rPr lang="en-PH" sz="1800" dirty="0"/>
-              <a:t>/</a:t>
-            </a:r>
-            <a:r>
-              <a:rPr lang="en-PH" sz="1800" dirty="0" err="1"/>
-              <a:t>URLGetLanguage</a:t>
-            </a:r>
-            <a:r>
-              <a:rPr lang="en-PH" sz="1800" dirty="0"/>
-              <a:t>"         </a:t>
-            </a:r>
-            <a:r>
-              <a:rPr lang="en-PH" dirty="0"/>
-              <a:t>Authors: </a:t>
-            </a:r>
-            <a:endParaRPr lang="en-PH" dirty="0" smtClean="0"/>
-          </a:p>
-          <a:p>
-            <a:pPr marL="109728" indent="0">
-              <a:buNone/>
-            </a:pPr>
-            <a:r>
-              <a:rPr lang="en-PH" sz="1800" dirty="0" smtClean="0"/>
-              <a:t>"</a:t>
-            </a:r>
-            <a:r>
-              <a:rPr lang="en-PH" sz="1800" dirty="0"/>
-              <a:t>http://gateway-a.watsonplatform.net/calls/</a:t>
-            </a:r>
-            <a:r>
-              <a:rPr lang="en-PH" sz="1800" dirty="0" err="1"/>
-              <a:t>url</a:t>
-            </a:r>
-            <a:r>
-              <a:rPr lang="en-PH" sz="1800" dirty="0"/>
-              <a:t>/</a:t>
-            </a:r>
-            <a:r>
-              <a:rPr lang="en-PH" sz="1800" dirty="0" err="1"/>
-              <a:t>URLGetAuthors</a:t>
-            </a:r>
-            <a:r>
-              <a:rPr lang="en-PH" sz="1800" dirty="0"/>
-              <a:t>"         </a:t>
-            </a:r>
-            <a:r>
-              <a:rPr lang="en-PH" dirty="0"/>
-              <a:t>Sentiment: </a:t>
-            </a:r>
-            <a:endParaRPr lang="en-PH" dirty="0" smtClean="0"/>
-          </a:p>
-          <a:p>
-            <a:pPr marL="109728" indent="0">
-              <a:buNone/>
-            </a:pPr>
-            <a:r>
-              <a:rPr lang="en-PH" sz="1800" dirty="0" smtClean="0"/>
-              <a:t>"</a:t>
-            </a:r>
-            <a:r>
-              <a:rPr lang="en-PH" sz="1800" dirty="0"/>
-              <a:t>http://gateway-a.watsonplatform.net/calls/</a:t>
-            </a:r>
-            <a:r>
-              <a:rPr lang="en-PH" sz="1800" dirty="0" err="1"/>
-              <a:t>url</a:t>
-            </a:r>
-            <a:r>
-              <a:rPr lang="en-PH" sz="1800" dirty="0"/>
-              <a:t>/</a:t>
-            </a:r>
-            <a:r>
-              <a:rPr lang="en-PH" sz="1800" dirty="0" err="1"/>
-              <a:t>URLGetTextSentiment</a:t>
-            </a:r>
-            <a:r>
-              <a:rPr lang="en-PH" sz="1800" dirty="0"/>
-              <a:t>"         </a:t>
-            </a:r>
-            <a:r>
-              <a:rPr lang="en-PH" dirty="0"/>
-              <a:t>Title: </a:t>
-            </a:r>
-            <a:endParaRPr lang="en-PH" dirty="0" smtClean="0"/>
-          </a:p>
-          <a:p>
-            <a:pPr marL="109728" indent="0">
-              <a:buNone/>
-            </a:pPr>
-            <a:r>
-              <a:rPr lang="en-PH" sz="1800" dirty="0" smtClean="0"/>
-              <a:t>"</a:t>
-            </a:r>
-            <a:r>
-              <a:rPr lang="en-PH" sz="1800" dirty="0"/>
-              <a:t>http://gateway-a.watsonplatform.net/calls/</a:t>
-            </a:r>
-            <a:r>
-              <a:rPr lang="en-PH" sz="1800" dirty="0" err="1"/>
-              <a:t>url</a:t>
-            </a:r>
-            <a:r>
-              <a:rPr lang="en-PH" sz="1800" dirty="0"/>
-              <a:t>/</a:t>
-            </a:r>
-            <a:r>
-              <a:rPr lang="en-PH" sz="1800" dirty="0" err="1"/>
-              <a:t>URLGetTitle</a:t>
-            </a:r>
-            <a:r>
-              <a:rPr lang="en-PH" sz="1800" dirty="0"/>
-              <a:t>"</a:t>
+              <a:t>"				 </a:t>
             </a:r>
           </a:p>
         </p:txBody>
@@ -5022,7 +5011,7 @@
           <a:p>
             <a:r>
               <a:rPr lang="en-PH" dirty="0" smtClean="0"/>
-              <a:t>ENDPOINT URLS – Feature Extraction</a:t>
+              <a:t>ENDPOINT URLS – Image Analysis</a:t>
             </a:r>
             <a:endParaRPr lang="en-PH" dirty="0"/>
           </a:p>
@@ -5031,7 +5020,7 @@
     </p:spTree>
     <p:extLst>
       <p:ext uri="{BB962C8B-B14F-4D97-AF65-F5344CB8AC3E}">
-        <p14:creationId xmlns:p14="http://schemas.microsoft.com/office/powerpoint/2010/main" val="3471112227"/>
+        <p14:creationId xmlns:p14="http://schemas.microsoft.com/office/powerpoint/2010/main" val="1357874"/>
       </p:ext>
     </p:extLst>
   </p:cSld>
@@ -5085,120 +5074,6 @@
             <a:pPr marL="109728" indent="0">
               <a:buNone/>
             </a:pPr>
-            <a:r>
-              <a:rPr lang="en-PH" dirty="0" smtClean="0"/>
-              <a:t>Face Recognition:</a:t>
-            </a:r>
-          </a:p>
-          <a:p>
-            <a:pPr marL="109728" indent="0">
-              <a:buNone/>
-            </a:pPr>
-            <a:r>
-              <a:rPr lang="en-PH" sz="1800" dirty="0"/>
-              <a:t> "http://gateway-a.watsonplatform.net/calls/</a:t>
-            </a:r>
-            <a:r>
-              <a:rPr lang="en-PH" sz="1800" dirty="0" err="1"/>
-              <a:t>url</a:t>
-            </a:r>
-            <a:r>
-              <a:rPr lang="en-PH" sz="1800" dirty="0"/>
-              <a:t>/</a:t>
-            </a:r>
-            <a:r>
-              <a:rPr lang="en-PH" sz="1800" dirty="0" err="1"/>
-              <a:t>URLGetRankedImageFaceTags</a:t>
-            </a:r>
-            <a:r>
-              <a:rPr lang="en-PH" sz="1800" dirty="0"/>
-              <a:t>"				 </a:t>
-            </a:r>
-          </a:p>
-        </p:txBody>
-      </p:sp>
-      <p:sp>
-        <p:nvSpPr>
-          <p:cNvPr id="3" name="Title 2"/>
-          <p:cNvSpPr>
-            <a:spLocks noGrp="1"/>
-          </p:cNvSpPr>
-          <p:nvPr>
-            <p:ph type="title"/>
-          </p:nvPr>
-        </p:nvSpPr>
-        <p:spPr/>
-        <p:txBody>
-          <a:bodyPr>
-            <a:normAutofit fontScale="90000"/>
-          </a:bodyPr>
-          <a:lstStyle/>
-          <a:p>
-            <a:r>
-              <a:rPr lang="en-PH" dirty="0" smtClean="0"/>
-              <a:t>ENDPOINT URLS – Image Analysis</a:t>
-            </a:r>
-            <a:endParaRPr lang="en-PH" dirty="0"/>
-          </a:p>
-        </p:txBody>
-      </p:sp>
-    </p:spTree>
-    <p:extLst>
-      <p:ext uri="{BB962C8B-B14F-4D97-AF65-F5344CB8AC3E}">
-        <p14:creationId xmlns:p14="http://schemas.microsoft.com/office/powerpoint/2010/main" val="1357874"/>
-      </p:ext>
-    </p:extLst>
-  </p:cSld>
-  <p:clrMapOvr>
-    <a:masterClrMapping/>
-  </p:clrMapOvr>
-  <p:timing>
-    <p:tnLst>
-      <p:par>
-        <p:cTn id="1" dur="indefinite" restart="never" nodeType="tmRoot"/>
-      </p:par>
-    </p:tnLst>
-  </p:timing>
-</p:sld>
-</file>
-
-<file path=ppt/slides/slide13.xml><?xml version="1.0" encoding="utf-8"?>
-<p:sld xmlns:a="http://schemas.openxmlformats.org/drawingml/2006/main" xmlns:r="http://schemas.openxmlformats.org/officeDocument/2006/relationships" xmlns:p="http://schemas.openxmlformats.org/presentationml/2006/main">
-  <p:cSld>
-    <p:spTree>
-      <p:nvGrpSpPr>
-        <p:cNvPr id="1" name=""/>
-        <p:cNvGrpSpPr/>
-        <p:nvPr/>
-      </p:nvGrpSpPr>
-      <p:grpSpPr>
-        <a:xfrm>
-          <a:off x="0" y="0"/>
-          <a:ext cx="0" cy="0"/>
-          <a:chOff x="0" y="0"/>
-          <a:chExt cx="0" cy="0"/>
-        </a:xfrm>
-      </p:grpSpPr>
-      <p:sp>
-        <p:nvSpPr>
-          <p:cNvPr id="2" name="Content Placeholder 1"/>
-          <p:cNvSpPr>
-            <a:spLocks noGrp="1"/>
-          </p:cNvSpPr>
-          <p:nvPr>
-            <p:ph idx="1"/>
-          </p:nvPr>
-        </p:nvSpPr>
-        <p:spPr/>
-        <p:txBody>
-          <a:bodyPr>
-            <a:normAutofit/>
-          </a:bodyPr>
-          <a:lstStyle/>
-          <a:p>
-            <a:pPr marL="109728" indent="0">
-              <a:buNone/>
-            </a:pPr>
             <a:endParaRPr lang="en-PH" sz="1800" dirty="0" smtClean="0"/>
           </a:p>
           <a:p>
@@ -5335,180 +5210,7 @@
 </p:sld>
 </file>
 
-<file path=ppt/slides/slide14.xml><?xml version="1.0" encoding="utf-8"?>
-<p:sld xmlns:a="http://schemas.openxmlformats.org/drawingml/2006/main" xmlns:r="http://schemas.openxmlformats.org/officeDocument/2006/relationships" xmlns:p="http://schemas.openxmlformats.org/presentationml/2006/main">
-  <p:cSld>
-    <p:spTree>
-      <p:nvGrpSpPr>
-        <p:cNvPr id="1" name=""/>
-        <p:cNvGrpSpPr/>
-        <p:nvPr/>
-      </p:nvGrpSpPr>
-      <p:grpSpPr>
-        <a:xfrm>
-          <a:off x="0" y="0"/>
-          <a:ext cx="0" cy="0"/>
-          <a:chOff x="0" y="0"/>
-          <a:chExt cx="0" cy="0"/>
-        </a:xfrm>
-      </p:grpSpPr>
-      <p:sp>
-        <p:nvSpPr>
-          <p:cNvPr id="2" name="Content Placeholder 1"/>
-          <p:cNvSpPr>
-            <a:spLocks noGrp="1"/>
-          </p:cNvSpPr>
-          <p:nvPr>
-            <p:ph idx="1"/>
-          </p:nvPr>
-        </p:nvSpPr>
-        <p:spPr/>
-        <p:txBody>
-          <a:bodyPr>
-            <a:normAutofit/>
-          </a:bodyPr>
-          <a:lstStyle/>
-          <a:p>
-            <a:pPr marL="109728" indent="0">
-              <a:buNone/>
-            </a:pPr>
-            <a:endParaRPr lang="en-PH" sz="1800" dirty="0" smtClean="0"/>
-          </a:p>
-          <a:p>
-            <a:pPr marL="109728" indent="0">
-              <a:buNone/>
-            </a:pPr>
-            <a:endParaRPr lang="en-PH" sz="1800" dirty="0"/>
-          </a:p>
-          <a:p>
-            <a:pPr marL="109728" indent="0">
-              <a:buNone/>
-            </a:pPr>
-            <a:endParaRPr lang="en-PH" sz="1800" dirty="0" smtClean="0"/>
-          </a:p>
-          <a:p>
-            <a:pPr marL="109728" indent="0">
-              <a:buNone/>
-            </a:pPr>
-            <a:endParaRPr lang="en-PH" sz="1800" dirty="0"/>
-          </a:p>
-          <a:p>
-            <a:pPr marL="109728" indent="0">
-              <a:buNone/>
-            </a:pPr>
-            <a:r>
-              <a:rPr lang="en-PH" sz="1800" dirty="0" smtClean="0"/>
-              <a:t>URL </a:t>
-            </a:r>
-            <a:r>
-              <a:rPr lang="en-PH" sz="1800" dirty="0" err="1"/>
-              <a:t>title_url</a:t>
-            </a:r>
-            <a:r>
-              <a:rPr lang="en-PH" sz="1800" dirty="0"/>
-              <a:t> = new </a:t>
-            </a:r>
-            <a:r>
-              <a:rPr lang="en-PH" sz="1800" dirty="0" smtClean="0"/>
-              <a:t>URL({ENDPOINT_URL}?</a:t>
-            </a:r>
-            <a:r>
-              <a:rPr lang="en-PH" sz="1800" dirty="0" err="1" smtClean="0"/>
-              <a:t>url</a:t>
-            </a:r>
-            <a:r>
-              <a:rPr lang="en-PH" sz="1800" dirty="0" smtClean="0"/>
-              <a:t>={input </a:t>
-            </a:r>
-            <a:r>
-              <a:rPr lang="en-PH" sz="1800" dirty="0" err="1" smtClean="0"/>
-              <a:t>url</a:t>
-            </a:r>
-            <a:r>
-              <a:rPr lang="en-PH" sz="1800" dirty="0" smtClean="0"/>
-              <a:t>}&amp;</a:t>
-            </a:r>
-            <a:r>
-              <a:rPr lang="en-PH" sz="1800" dirty="0" err="1" smtClean="0"/>
-              <a:t>apikey</a:t>
-            </a:r>
-            <a:r>
-              <a:rPr lang="en-PH" sz="1800" dirty="0" smtClean="0"/>
-              <a:t>= {</a:t>
-            </a:r>
-            <a:r>
-              <a:rPr lang="en-PH" sz="1800" dirty="0" err="1" smtClean="0"/>
-              <a:t>apikey</a:t>
-            </a:r>
-            <a:r>
-              <a:rPr lang="en-PH" sz="1800" dirty="0" smtClean="0"/>
-              <a:t>}&amp;</a:t>
-            </a:r>
-            <a:r>
-              <a:rPr lang="en-PH" sz="1800" dirty="0" err="1" smtClean="0"/>
-              <a:t>outputMode</a:t>
-            </a:r>
-            <a:r>
-              <a:rPr lang="en-PH" sz="1800" dirty="0" smtClean="0"/>
-              <a:t>=</a:t>
-            </a:r>
-            <a:r>
-              <a:rPr lang="en-PH" sz="1800" dirty="0" err="1" smtClean="0"/>
-              <a:t>json</a:t>
-            </a:r>
-            <a:r>
-              <a:rPr lang="en-PH" sz="1800" dirty="0"/>
-              <a:t>");						 </a:t>
-            </a:r>
-          </a:p>
-        </p:txBody>
-      </p:sp>
-      <p:sp>
-        <p:nvSpPr>
-          <p:cNvPr id="3" name="Title 2"/>
-          <p:cNvSpPr>
-            <a:spLocks noGrp="1"/>
-          </p:cNvSpPr>
-          <p:nvPr>
-            <p:ph type="title"/>
-          </p:nvPr>
-        </p:nvSpPr>
-        <p:spPr/>
-        <p:txBody>
-          <a:bodyPr>
-            <a:normAutofit/>
-          </a:bodyPr>
-          <a:lstStyle/>
-          <a:p>
-            <a:r>
-              <a:rPr lang="en-PH" dirty="0" smtClean="0"/>
-              <a:t>How to use it?</a:t>
-            </a:r>
-            <a:endParaRPr lang="en-PH" dirty="0"/>
-          </a:p>
-        </p:txBody>
-      </p:sp>
-    </p:spTree>
-    <p:extLst>
-      <p:ext uri="{BB962C8B-B14F-4D97-AF65-F5344CB8AC3E}">
-        <p14:creationId xmlns:p14="http://schemas.microsoft.com/office/powerpoint/2010/main" val="355383751"/>
-      </p:ext>
-    </p:extLst>
-  </p:cSld>
-  <p:clrMapOvr>
-    <a:masterClrMapping/>
-  </p:clrMapOvr>
-  <p:timing>
-    <p:tnLst>
-      <p:par>
-        <p:cTn id="1" dur="indefinite" restart="never" nodeType="tmRoot"/>
-      </p:par>
-    </p:tnLst>
-  </p:timing>
-</p:sld>
-</file>
-
-<file path=ppt/slides/slide15.xml><?xml version="1.0" encoding="utf-8"?>
+<file path=ppt/slides/slide13.xml><?xml version="1.0" encoding="utf-8"?>
 <p:sld xmlns:a="http://schemas.openxmlformats.org/drawingml/2006/main" xmlns:r="http://schemas.openxmlformats.org/officeDocument/2006/relationships" xmlns:p="http://schemas.openxmlformats.org/presentationml/2006/main">
   <p:cSld>
     <p:spTree>
@@ -6073,95 +5775,6 @@
       </p:grpSpPr>
       <p:sp>
         <p:nvSpPr>
-          <p:cNvPr id="2" name="Title 1"/>
-          <p:cNvSpPr>
-            <a:spLocks noGrp="1"/>
-          </p:cNvSpPr>
-          <p:nvPr>
-            <p:ph type="ctrTitle"/>
-          </p:nvPr>
-        </p:nvSpPr>
-        <p:spPr/>
-        <p:txBody>
-          <a:bodyPr/>
-          <a:lstStyle/>
-          <a:p>
-            <a:r>
-              <a:rPr lang="en-PH" dirty="0" err="1" smtClean="0"/>
-              <a:t>AlchemyAPI</a:t>
-            </a:r>
-            <a:endParaRPr lang="en-PH" dirty="0"/>
-          </a:p>
-        </p:txBody>
-      </p:sp>
-      <p:sp>
-        <p:nvSpPr>
-          <p:cNvPr id="3" name="Subtitle 2"/>
-          <p:cNvSpPr>
-            <a:spLocks noGrp="1"/>
-          </p:cNvSpPr>
-          <p:nvPr>
-            <p:ph type="subTitle" idx="1"/>
-          </p:nvPr>
-        </p:nvSpPr>
-        <p:spPr/>
-        <p:txBody>
-          <a:bodyPr/>
-          <a:lstStyle/>
-          <a:p>
-            <a:r>
-              <a:rPr lang="en-PH" dirty="0" smtClean="0"/>
-              <a:t>IBM Watsons</a:t>
-            </a:r>
-          </a:p>
-          <a:p>
-            <a:r>
-              <a:rPr lang="en-PH" dirty="0" smtClean="0"/>
-              <a:t>https://string-args.github.io</a:t>
-            </a:r>
-            <a:endParaRPr lang="en-PH" dirty="0"/>
-          </a:p>
-        </p:txBody>
-      </p:sp>
-    </p:spTree>
-    <p:extLst>
-      <p:ext uri="{BB962C8B-B14F-4D97-AF65-F5344CB8AC3E}">
-        <p14:creationId xmlns:p14="http://schemas.microsoft.com/office/powerpoint/2010/main" val="1196073984"/>
-      </p:ext>
-    </p:extLst>
-  </p:cSld>
-  <p:clrMapOvr>
-    <a:masterClrMapping/>
-  </p:clrMapOvr>
-  <p:timing>
-    <p:tnLst>
-      <p:par>
-        <p:cTn id="1" dur="indefinite" restart="never" nodeType="tmRoot"/>
-      </p:par>
-    </p:tnLst>
-  </p:timing>
-</p:sld>
-</file>
-
-<file path=ppt/slides/slide7.xml><?xml version="1.0" encoding="utf-8"?>
-<p:sld xmlns:a="http://schemas.openxmlformats.org/drawingml/2006/main" xmlns:r="http://schemas.openxmlformats.org/officeDocument/2006/relationships" xmlns:p="http://schemas.openxmlformats.org/presentationml/2006/main">
-  <p:cSld>
-    <p:spTree>
-      <p:nvGrpSpPr>
-        <p:cNvPr id="1" name=""/>
-        <p:cNvGrpSpPr/>
-        <p:nvPr/>
-      </p:nvGrpSpPr>
-      <p:grpSpPr>
-        <a:xfrm>
-          <a:off x="0" y="0"/>
-          <a:ext cx="0" cy="0"/>
-          <a:chOff x="0" y="0"/>
-          <a:chExt cx="0" cy="0"/>
-        </a:xfrm>
-      </p:grpSpPr>
-      <p:sp>
-        <p:nvSpPr>
           <p:cNvPr id="2" name="Content Placeholder 1"/>
           <p:cNvSpPr>
             <a:spLocks noGrp="1"/>
@@ -6266,7 +5879,7 @@
 </p:sld>
 </file>
 
-<file path=ppt/slides/slide8.xml><?xml version="1.0" encoding="utf-8"?>
+<file path=ppt/slides/slide7.xml><?xml version="1.0" encoding="utf-8"?>
 <p:sld xmlns:a="http://schemas.openxmlformats.org/drawingml/2006/main" xmlns:r="http://schemas.openxmlformats.org/officeDocument/2006/relationships" xmlns:p="http://schemas.openxmlformats.org/presentationml/2006/main">
   <p:cSld>
     <p:spTree>
@@ -6389,7 +6002,7 @@
 </p:sld>
 </file>
 
-<file path=ppt/slides/slide9.xml><?xml version="1.0" encoding="utf-8"?>
+<file path=ppt/slides/slide8.xml><?xml version="1.0" encoding="utf-8"?>
 <p:sld xmlns:a="http://schemas.openxmlformats.org/drawingml/2006/main" xmlns:r="http://schemas.openxmlformats.org/officeDocument/2006/relationships" xmlns:p="http://schemas.openxmlformats.org/presentationml/2006/main">
   <p:cSld>
     <p:spTree>
@@ -6496,6 +6109,129 @@
     <p:extLst>
       <p:ext uri="{BB962C8B-B14F-4D97-AF65-F5344CB8AC3E}">
         <p14:creationId xmlns:p14="http://schemas.microsoft.com/office/powerpoint/2010/main" val="1446943957"/>
+      </p:ext>
+    </p:extLst>
+  </p:cSld>
+  <p:clrMapOvr>
+    <a:masterClrMapping/>
+  </p:clrMapOvr>
+  <p:timing>
+    <p:tnLst>
+      <p:par>
+        <p:cTn id="1" dur="indefinite" restart="never" nodeType="tmRoot"/>
+      </p:par>
+    </p:tnLst>
+  </p:timing>
+</p:sld>
+</file>
+
+<file path=ppt/slides/slide9.xml><?xml version="1.0" encoding="utf-8"?>
+<p:sld xmlns:a="http://schemas.openxmlformats.org/drawingml/2006/main" xmlns:r="http://schemas.openxmlformats.org/officeDocument/2006/relationships" xmlns:p="http://schemas.openxmlformats.org/presentationml/2006/main">
+  <p:cSld>
+    <p:spTree>
+      <p:nvGrpSpPr>
+        <p:cNvPr id="1" name=""/>
+        <p:cNvGrpSpPr/>
+        <p:nvPr/>
+      </p:nvGrpSpPr>
+      <p:grpSpPr>
+        <a:xfrm>
+          <a:off x="0" y="0"/>
+          <a:ext cx="0" cy="0"/>
+          <a:chOff x="0" y="0"/>
+          <a:chExt cx="0" cy="0"/>
+        </a:xfrm>
+      </p:grpSpPr>
+      <p:sp>
+        <p:nvSpPr>
+          <p:cNvPr id="2" name="Content Placeholder 1"/>
+          <p:cNvSpPr>
+            <a:spLocks noGrp="1"/>
+          </p:cNvSpPr>
+          <p:nvPr>
+            <p:ph idx="1"/>
+          </p:nvPr>
+        </p:nvSpPr>
+        <p:spPr/>
+        <p:txBody>
+          <a:bodyPr/>
+          <a:lstStyle/>
+          <a:p>
+            <a:pPr marL="109728" indent="0">
+              <a:buNone/>
+            </a:pPr>
+            <a:endParaRPr lang="en-PH" dirty="0"/>
+          </a:p>
+        </p:txBody>
+      </p:sp>
+      <p:sp>
+        <p:nvSpPr>
+          <p:cNvPr id="3" name="Title 2"/>
+          <p:cNvSpPr>
+            <a:spLocks noGrp="1"/>
+          </p:cNvSpPr>
+          <p:nvPr>
+            <p:ph type="title"/>
+          </p:nvPr>
+        </p:nvSpPr>
+        <p:spPr/>
+        <p:txBody>
+          <a:bodyPr/>
+          <a:lstStyle/>
+          <a:p>
+            <a:r>
+              <a:rPr lang="en-PH" dirty="0" smtClean="0"/>
+              <a:t>Demo – Alchemy Vision</a:t>
+            </a:r>
+            <a:endParaRPr lang="en-PH" dirty="0"/>
+          </a:p>
+        </p:txBody>
+      </p:sp>
+      <p:pic>
+        <p:nvPicPr>
+          <p:cNvPr id="7170" name="Picture 2" descr="C:\Users\PC\Desktop\image_7.jpg"/>
+          <p:cNvPicPr>
+            <a:picLocks noChangeAspect="1" noChangeArrowheads="1"/>
+          </p:cNvPicPr>
+          <p:nvPr/>
+        </p:nvPicPr>
+        <p:blipFill>
+          <a:blip r:embed="rId2">
+            <a:extLst>
+              <a:ext uri="{28A0092B-C50C-407E-A947-70E740481C1C}">
+                <a14:useLocalDpi xmlns:a14="http://schemas.microsoft.com/office/drawing/2010/main" val="0"/>
+              </a:ext>
+            </a:extLst>
+          </a:blip>
+          <a:srcRect/>
+          <a:stretch>
+            <a:fillRect/>
+          </a:stretch>
+        </p:blipFill>
+        <p:spPr bwMode="auto">
+          <a:xfrm>
+            <a:off x="25592" y="1676400"/>
+            <a:ext cx="9045028" cy="3505200"/>
+          </a:xfrm>
+          <a:prstGeom prst="rect">
+            <a:avLst/>
+          </a:prstGeom>
+          <a:noFill/>
+          <a:extLst>
+            <a:ext uri="{909E8E84-426E-40DD-AFC4-6F175D3DCCD1}">
+              <a14:hiddenFill xmlns:a14="http://schemas.microsoft.com/office/drawing/2010/main">
+                <a:solidFill>
+                  <a:srgbClr val="FFFFFF"/>
+                </a:solidFill>
+              </a14:hiddenFill>
+            </a:ext>
+          </a:extLst>
+        </p:spPr>
+      </p:pic>
+    </p:spTree>
+    <p:extLst>
+      <p:ext uri="{BB962C8B-B14F-4D97-AF65-F5344CB8AC3E}">
+        <p14:creationId xmlns:p14="http://schemas.microsoft.com/office/powerpoint/2010/main" val="3786895977"/>
       </p:ext>
     </p:extLst>
   </p:cSld>
